--- a/puzzles/figures/6pVn3BbaY2SPB5LzpwF4ko.pptx
+++ b/puzzles/figures/6pVn3BbaY2SPB5LzpwF4ko.pptx
@@ -5391,776 +5391,797 @@
           <a:chExt cx="0" cy="0"/>
         </a:xfrm>
       </p:grpSpPr>
-      <p:sp>
-        <p:nvSpPr>
-          <p:cNvPr id="2" name="Rectangle 1">
+      <p:grpSp>
+        <p:nvGrpSpPr>
+          <p:cNvPr id="7" name="Group 6">
             <a:extLst>
               <a:ext uri="{FF2B5EF4-FFF2-40B4-BE49-F238E27FC236}">
-                <a16:creationId xmlns:a16="http://schemas.microsoft.com/office/drawing/2014/main" id="{4C835184-B689-8E44-B051-CDF9EF180714}"/>
+                <a16:creationId xmlns:a16="http://schemas.microsoft.com/office/drawing/2014/main" id="{6B7CDC5F-50E6-1E4C-927E-AF318AB49F60}"/>
               </a:ext>
             </a:extLst>
           </p:cNvPr>
-          <p:cNvSpPr/>
+          <p:cNvGrpSpPr/>
           <p:nvPr/>
-        </p:nvSpPr>
-        <p:spPr>
+        </p:nvGrpSpPr>
+        <p:grpSpPr>
           <a:xfrm>
-            <a:off x="2869324" y="1282262"/>
-            <a:ext cx="1324303" cy="893380"/>
+            <a:off x="2002938" y="1282262"/>
+            <a:ext cx="7487901" cy="3616264"/>
+            <a:chOff x="2002938" y="1282262"/>
+            <a:chExt cx="7487901" cy="3616264"/>
           </a:xfrm>
-          <a:prstGeom prst="rect">
-            <a:avLst/>
-          </a:prstGeom>
-          <a:noFill/>
-          <a:ln w="28575">
-            <a:solidFill>
+        </p:grpSpPr>
+        <p:sp>
+          <p:nvSpPr>
+            <p:cNvPr id="2" name="Rectangle 1">
+              <a:extLst>
+                <a:ext uri="{FF2B5EF4-FFF2-40B4-BE49-F238E27FC236}">
+                  <a16:creationId xmlns:a16="http://schemas.microsoft.com/office/drawing/2014/main" id="{4C835184-B689-8E44-B051-CDF9EF180714}"/>
+                </a:ext>
+              </a:extLst>
+            </p:cNvPr>
+            <p:cNvSpPr/>
+            <p:nvPr/>
+          </p:nvSpPr>
+          <p:spPr>
+            <a:xfrm>
+              <a:off x="2869324" y="1282262"/>
+              <a:ext cx="1324303" cy="893380"/>
+            </a:xfrm>
+            <a:prstGeom prst="rect">
+              <a:avLst/>
+            </a:prstGeom>
+            <a:noFill/>
+            <a:ln w="28575">
+              <a:solidFill>
+                <a:schemeClr val="tx1"/>
+              </a:solidFill>
+            </a:ln>
+          </p:spPr>
+          <p:style>
+            <a:lnRef idx="2">
+              <a:schemeClr val="accent1">
+                <a:shade val="50000"/>
+              </a:schemeClr>
+            </a:lnRef>
+            <a:fillRef idx="1">
+              <a:schemeClr val="accent1"/>
+            </a:fillRef>
+            <a:effectRef idx="0">
+              <a:schemeClr val="accent1"/>
+            </a:effectRef>
+            <a:fontRef idx="minor">
+              <a:schemeClr val="lt1"/>
+            </a:fontRef>
+          </p:style>
+          <p:txBody>
+            <a:bodyPr rtlCol="0" anchor="ctr"/>
+            <a:lstStyle/>
+            <a:p>
+              <a:pPr algn="ctr"/>
+              <a:endParaRPr lang="en-US"/>
+            </a:p>
+          </p:txBody>
+        </p:sp>
+        <p:sp>
+          <p:nvSpPr>
+            <p:cNvPr id="10" name="Rectangle 9">
+              <a:extLst>
+                <a:ext uri="{FF2B5EF4-FFF2-40B4-BE49-F238E27FC236}">
+                  <a16:creationId xmlns:a16="http://schemas.microsoft.com/office/drawing/2014/main" id="{75E0CD8A-4890-1341-8318-12685216697C}"/>
+                </a:ext>
+              </a:extLst>
+            </p:cNvPr>
+            <p:cNvSpPr/>
+            <p:nvPr/>
+          </p:nvSpPr>
+          <p:spPr>
+            <a:xfrm>
+              <a:off x="4193627" y="1282262"/>
+              <a:ext cx="1324303" cy="893380"/>
+            </a:xfrm>
+            <a:prstGeom prst="rect">
+              <a:avLst/>
+            </a:prstGeom>
+            <a:noFill/>
+            <a:ln w="28575">
+              <a:solidFill>
+                <a:schemeClr val="tx1"/>
+              </a:solidFill>
+            </a:ln>
+          </p:spPr>
+          <p:style>
+            <a:lnRef idx="2">
+              <a:schemeClr val="accent1">
+                <a:shade val="50000"/>
+              </a:schemeClr>
+            </a:lnRef>
+            <a:fillRef idx="1">
+              <a:schemeClr val="accent1"/>
+            </a:fillRef>
+            <a:effectRef idx="0">
+              <a:schemeClr val="accent1"/>
+            </a:effectRef>
+            <a:fontRef idx="minor">
+              <a:schemeClr val="lt1"/>
+            </a:fontRef>
+          </p:style>
+          <p:txBody>
+            <a:bodyPr rtlCol="0" anchor="ctr"/>
+            <a:lstStyle/>
+            <a:p>
+              <a:pPr algn="ctr"/>
+              <a:endParaRPr lang="en-US"/>
+            </a:p>
+          </p:txBody>
+        </p:sp>
+        <p:sp>
+          <p:nvSpPr>
+            <p:cNvPr id="12" name="Rectangle 11">
+              <a:extLst>
+                <a:ext uri="{FF2B5EF4-FFF2-40B4-BE49-F238E27FC236}">
+                  <a16:creationId xmlns:a16="http://schemas.microsoft.com/office/drawing/2014/main" id="{61A67A55-DE73-8949-91D0-1198CBBF1DE8}"/>
+                </a:ext>
+              </a:extLst>
+            </p:cNvPr>
+            <p:cNvSpPr/>
+            <p:nvPr/>
+          </p:nvSpPr>
+          <p:spPr>
+            <a:xfrm>
+              <a:off x="6842233" y="1282262"/>
+              <a:ext cx="1324303" cy="893380"/>
+            </a:xfrm>
+            <a:prstGeom prst="rect">
+              <a:avLst/>
+            </a:prstGeom>
+            <a:noFill/>
+            <a:ln w="28575">
+              <a:solidFill>
+                <a:schemeClr val="tx1"/>
+              </a:solidFill>
+            </a:ln>
+          </p:spPr>
+          <p:style>
+            <a:lnRef idx="2">
+              <a:schemeClr val="accent1">
+                <a:shade val="50000"/>
+              </a:schemeClr>
+            </a:lnRef>
+            <a:fillRef idx="1">
+              <a:schemeClr val="accent1"/>
+            </a:fillRef>
+            <a:effectRef idx="0">
+              <a:schemeClr val="accent1"/>
+            </a:effectRef>
+            <a:fontRef idx="minor">
+              <a:schemeClr val="lt1"/>
+            </a:fontRef>
+          </p:style>
+          <p:txBody>
+            <a:bodyPr rtlCol="0" anchor="ctr"/>
+            <a:lstStyle/>
+            <a:p>
+              <a:pPr algn="ctr"/>
+              <a:endParaRPr lang="en-US"/>
+            </a:p>
+          </p:txBody>
+        </p:sp>
+        <p:sp>
+          <p:nvSpPr>
+            <p:cNvPr id="13" name="Rectangle 12">
+              <a:extLst>
+                <a:ext uri="{FF2B5EF4-FFF2-40B4-BE49-F238E27FC236}">
+                  <a16:creationId xmlns:a16="http://schemas.microsoft.com/office/drawing/2014/main" id="{91743959-6FEA-F74D-B176-B34AA0C67A65}"/>
+                </a:ext>
+              </a:extLst>
+            </p:cNvPr>
+            <p:cNvSpPr/>
+            <p:nvPr/>
+          </p:nvSpPr>
+          <p:spPr>
+            <a:xfrm>
+              <a:off x="8166536" y="1282262"/>
+              <a:ext cx="1324303" cy="893380"/>
+            </a:xfrm>
+            <a:prstGeom prst="rect">
+              <a:avLst/>
+            </a:prstGeom>
+            <a:noFill/>
+            <a:ln w="28575">
+              <a:solidFill>
+                <a:schemeClr val="tx1"/>
+              </a:solidFill>
+            </a:ln>
+          </p:spPr>
+          <p:style>
+            <a:lnRef idx="2">
+              <a:schemeClr val="accent1">
+                <a:shade val="50000"/>
+              </a:schemeClr>
+            </a:lnRef>
+            <a:fillRef idx="1">
+              <a:schemeClr val="accent1"/>
+            </a:fillRef>
+            <a:effectRef idx="0">
+              <a:schemeClr val="accent1"/>
+            </a:effectRef>
+            <a:fontRef idx="minor">
+              <a:schemeClr val="lt1"/>
+            </a:fontRef>
+          </p:style>
+          <p:txBody>
+            <a:bodyPr rtlCol="0" anchor="ctr"/>
+            <a:lstStyle/>
+            <a:p>
+              <a:pPr algn="ctr"/>
+              <a:endParaRPr lang="en-US"/>
+            </a:p>
+          </p:txBody>
+        </p:sp>
+        <p:sp>
+          <p:nvSpPr>
+            <p:cNvPr id="23" name="Rectangle 22">
+              <a:extLst>
+                <a:ext uri="{FF2B5EF4-FFF2-40B4-BE49-F238E27FC236}">
+                  <a16:creationId xmlns:a16="http://schemas.microsoft.com/office/drawing/2014/main" id="{2DDCDBA7-0929-A14B-9084-31F88074046D}"/>
+                </a:ext>
+              </a:extLst>
+            </p:cNvPr>
+            <p:cNvSpPr/>
+            <p:nvPr/>
+          </p:nvSpPr>
+          <p:spPr>
+            <a:xfrm>
+              <a:off x="2869324" y="3069022"/>
+              <a:ext cx="1324303" cy="893380"/>
+            </a:xfrm>
+            <a:prstGeom prst="rect">
+              <a:avLst/>
+            </a:prstGeom>
+            <a:noFill/>
+            <a:ln w="28575">
+              <a:solidFill>
+                <a:schemeClr val="tx1"/>
+              </a:solidFill>
+            </a:ln>
+          </p:spPr>
+          <p:style>
+            <a:lnRef idx="2">
+              <a:schemeClr val="accent1">
+                <a:shade val="50000"/>
+              </a:schemeClr>
+            </a:lnRef>
+            <a:fillRef idx="1">
+              <a:schemeClr val="accent1"/>
+            </a:fillRef>
+            <a:effectRef idx="0">
+              <a:schemeClr val="accent1"/>
+            </a:effectRef>
+            <a:fontRef idx="minor">
+              <a:schemeClr val="lt1"/>
+            </a:fontRef>
+          </p:style>
+          <p:txBody>
+            <a:bodyPr rtlCol="0" anchor="ctr"/>
+            <a:lstStyle/>
+            <a:p>
+              <a:pPr algn="ctr"/>
+              <a:endParaRPr lang="en-US"/>
+            </a:p>
+          </p:txBody>
+        </p:sp>
+        <p:sp>
+          <p:nvSpPr>
+            <p:cNvPr id="24" name="Rectangle 23">
+              <a:extLst>
+                <a:ext uri="{FF2B5EF4-FFF2-40B4-BE49-F238E27FC236}">
+                  <a16:creationId xmlns:a16="http://schemas.microsoft.com/office/drawing/2014/main" id="{09CC4AE1-FD3B-F94B-BA97-2C81A5F00785}"/>
+                </a:ext>
+              </a:extLst>
+            </p:cNvPr>
+            <p:cNvSpPr/>
+            <p:nvPr/>
+          </p:nvSpPr>
+          <p:spPr>
+            <a:xfrm>
+              <a:off x="4193627" y="3069022"/>
+              <a:ext cx="1324303" cy="893380"/>
+            </a:xfrm>
+            <a:prstGeom prst="rect">
+              <a:avLst/>
+            </a:prstGeom>
+            <a:noFill/>
+            <a:ln w="28575">
+              <a:solidFill>
+                <a:schemeClr val="tx1"/>
+              </a:solidFill>
+            </a:ln>
+          </p:spPr>
+          <p:style>
+            <a:lnRef idx="2">
+              <a:schemeClr val="accent1">
+                <a:shade val="50000"/>
+              </a:schemeClr>
+            </a:lnRef>
+            <a:fillRef idx="1">
+              <a:schemeClr val="accent1"/>
+            </a:fillRef>
+            <a:effectRef idx="0">
+              <a:schemeClr val="accent1"/>
+            </a:effectRef>
+            <a:fontRef idx="minor">
+              <a:schemeClr val="lt1"/>
+            </a:fontRef>
+          </p:style>
+          <p:txBody>
+            <a:bodyPr rtlCol="0" anchor="ctr"/>
+            <a:lstStyle/>
+            <a:p>
+              <a:pPr algn="ctr"/>
+              <a:endParaRPr lang="en-US"/>
+            </a:p>
+          </p:txBody>
+        </p:sp>
+        <p:sp>
+          <p:nvSpPr>
+            <p:cNvPr id="26" name="Rectangle 25">
+              <a:extLst>
+                <a:ext uri="{FF2B5EF4-FFF2-40B4-BE49-F238E27FC236}">
+                  <a16:creationId xmlns:a16="http://schemas.microsoft.com/office/drawing/2014/main" id="{26E986D3-68F6-C548-83DA-9EE48AE8C222}"/>
+                </a:ext>
+              </a:extLst>
+            </p:cNvPr>
+            <p:cNvSpPr/>
+            <p:nvPr/>
+          </p:nvSpPr>
+          <p:spPr>
+            <a:xfrm>
+              <a:off x="6842233" y="3069022"/>
+              <a:ext cx="1324303" cy="893380"/>
+            </a:xfrm>
+            <a:prstGeom prst="rect">
+              <a:avLst/>
+            </a:prstGeom>
+            <a:noFill/>
+            <a:ln w="28575">
+              <a:solidFill>
+                <a:schemeClr val="tx1"/>
+              </a:solidFill>
+            </a:ln>
+          </p:spPr>
+          <p:style>
+            <a:lnRef idx="2">
+              <a:schemeClr val="accent1">
+                <a:shade val="50000"/>
+              </a:schemeClr>
+            </a:lnRef>
+            <a:fillRef idx="1">
+              <a:schemeClr val="accent1"/>
+            </a:fillRef>
+            <a:effectRef idx="0">
+              <a:schemeClr val="accent1"/>
+            </a:effectRef>
+            <a:fontRef idx="minor">
+              <a:schemeClr val="lt1"/>
+            </a:fontRef>
+          </p:style>
+          <p:txBody>
+            <a:bodyPr rtlCol="0" anchor="ctr"/>
+            <a:lstStyle/>
+            <a:p>
+              <a:pPr algn="ctr"/>
+              <a:endParaRPr lang="en-US"/>
+            </a:p>
+          </p:txBody>
+        </p:sp>
+        <p:sp>
+          <p:nvSpPr>
+            <p:cNvPr id="27" name="Rectangle 26">
+              <a:extLst>
+                <a:ext uri="{FF2B5EF4-FFF2-40B4-BE49-F238E27FC236}">
+                  <a16:creationId xmlns:a16="http://schemas.microsoft.com/office/drawing/2014/main" id="{E859792B-CC86-D348-AA91-67859B5C3B3C}"/>
+                </a:ext>
+              </a:extLst>
+            </p:cNvPr>
+            <p:cNvSpPr/>
+            <p:nvPr/>
+          </p:nvSpPr>
+          <p:spPr>
+            <a:xfrm>
+              <a:off x="8166536" y="3069022"/>
+              <a:ext cx="1324303" cy="893380"/>
+            </a:xfrm>
+            <a:prstGeom prst="rect">
+              <a:avLst/>
+            </a:prstGeom>
+            <a:noFill/>
+            <a:ln w="28575">
+              <a:solidFill>
+                <a:schemeClr val="tx1"/>
+              </a:solidFill>
+            </a:ln>
+          </p:spPr>
+          <p:style>
+            <a:lnRef idx="2">
+              <a:schemeClr val="accent1">
+                <a:shade val="50000"/>
+              </a:schemeClr>
+            </a:lnRef>
+            <a:fillRef idx="1">
+              <a:schemeClr val="accent1"/>
+            </a:fillRef>
+            <a:effectRef idx="0">
+              <a:schemeClr val="accent1"/>
+            </a:effectRef>
+            <a:fontRef idx="minor">
+              <a:schemeClr val="lt1"/>
+            </a:fontRef>
+          </p:style>
+          <p:txBody>
+            <a:bodyPr rtlCol="0" anchor="ctr"/>
+            <a:lstStyle/>
+            <a:p>
+              <a:pPr algn="ctr"/>
+              <a:endParaRPr lang="en-US"/>
+            </a:p>
+          </p:txBody>
+        </p:sp>
+        <p:sp>
+          <p:nvSpPr>
+            <p:cNvPr id="3" name="TextBox 2">
+              <a:extLst>
+                <a:ext uri="{FF2B5EF4-FFF2-40B4-BE49-F238E27FC236}">
+                  <a16:creationId xmlns:a16="http://schemas.microsoft.com/office/drawing/2014/main" id="{236F7711-0332-9540-AE15-8A26DA69EE10}"/>
+                </a:ext>
+              </a:extLst>
+            </p:cNvPr>
+            <p:cNvSpPr txBox="1"/>
+            <p:nvPr/>
+          </p:nvSpPr>
+          <p:spPr>
+            <a:xfrm>
+              <a:off x="5517928" y="1559675"/>
+              <a:ext cx="1324303" cy="338554"/>
+            </a:xfrm>
+            <a:prstGeom prst="rect">
+              <a:avLst/>
+            </a:prstGeom>
+            <a:noFill/>
+          </p:spPr>
+          <p:txBody>
+            <a:bodyPr wrap="square" rtlCol="0" anchor="ctr">
+              <a:spAutoFit/>
+            </a:bodyPr>
+            <a:lstStyle/>
+            <a:p>
+              <a:pPr algn="ctr"/>
+              <a:r>
+                <a:rPr lang="en-US" sz="1600" b="1" dirty="0"/>
+                <a:t>.   .   .</a:t>
+              </a:r>
+            </a:p>
+          </p:txBody>
+        </p:sp>
+        <p:sp>
+          <p:nvSpPr>
+            <p:cNvPr id="34" name="TextBox 33">
+              <a:extLst>
+                <a:ext uri="{FF2B5EF4-FFF2-40B4-BE49-F238E27FC236}">
+                  <a16:creationId xmlns:a16="http://schemas.microsoft.com/office/drawing/2014/main" id="{49CF2E99-C5DF-4F45-AE9E-3C7AB0784F49}"/>
+                </a:ext>
+              </a:extLst>
+            </p:cNvPr>
+            <p:cNvSpPr txBox="1"/>
+            <p:nvPr/>
+          </p:nvSpPr>
+          <p:spPr>
+            <a:xfrm>
+              <a:off x="2869324" y="2206833"/>
+              <a:ext cx="1324303" cy="830997"/>
+            </a:xfrm>
+            <a:prstGeom prst="rect">
+              <a:avLst/>
+            </a:prstGeom>
+            <a:noFill/>
+          </p:spPr>
+          <p:txBody>
+            <a:bodyPr wrap="square" rtlCol="0" anchor="ctr">
+              <a:spAutoFit/>
+            </a:bodyPr>
+            <a:lstStyle/>
+            <a:p>
+              <a:pPr algn="ctr"/>
+              <a:r>
+                <a:rPr lang="en-US" sz="1600" b="1" dirty="0"/>
+                <a:t>.</a:t>
+              </a:r>
+            </a:p>
+            <a:p>
+              <a:pPr algn="ctr"/>
+              <a:r>
+                <a:rPr lang="en-US" sz="1600" b="1" dirty="0"/>
+                <a:t>.</a:t>
+              </a:r>
+            </a:p>
+            <a:p>
+              <a:pPr algn="ctr"/>
+              <a:r>
+                <a:rPr lang="en-US" sz="1600" b="1" dirty="0"/>
+                <a:t>.</a:t>
+              </a:r>
+            </a:p>
+          </p:txBody>
+        </p:sp>
+        <p:sp>
+          <p:nvSpPr>
+            <p:cNvPr id="35" name="TextBox 34">
+              <a:extLst>
+                <a:ext uri="{FF2B5EF4-FFF2-40B4-BE49-F238E27FC236}">
+                  <a16:creationId xmlns:a16="http://schemas.microsoft.com/office/drawing/2014/main" id="{8067811C-A6B2-F843-8792-4A8B8D85E5E1}"/>
+                </a:ext>
+              </a:extLst>
+            </p:cNvPr>
+            <p:cNvSpPr txBox="1"/>
+            <p:nvPr/>
+          </p:nvSpPr>
+          <p:spPr>
+            <a:xfrm>
+              <a:off x="5517929" y="3346435"/>
+              <a:ext cx="1324303" cy="338554"/>
+            </a:xfrm>
+            <a:prstGeom prst="rect">
+              <a:avLst/>
+            </a:prstGeom>
+            <a:noFill/>
+          </p:spPr>
+          <p:txBody>
+            <a:bodyPr wrap="square" rtlCol="0" anchor="ctr">
+              <a:spAutoFit/>
+            </a:bodyPr>
+            <a:lstStyle/>
+            <a:p>
+              <a:pPr algn="ctr"/>
+              <a:r>
+                <a:rPr lang="en-US" sz="1600" b="1" dirty="0"/>
+                <a:t>.   .   .</a:t>
+              </a:r>
+            </a:p>
+          </p:txBody>
+        </p:sp>
+        <p:sp>
+          <p:nvSpPr>
+            <p:cNvPr id="36" name="TextBox 35">
+              <a:extLst>
+                <a:ext uri="{FF2B5EF4-FFF2-40B4-BE49-F238E27FC236}">
+                  <a16:creationId xmlns:a16="http://schemas.microsoft.com/office/drawing/2014/main" id="{12CD6C4E-143D-7E44-BE76-4DF51B988627}"/>
+                </a:ext>
+              </a:extLst>
+            </p:cNvPr>
+            <p:cNvSpPr txBox="1"/>
+            <p:nvPr/>
+          </p:nvSpPr>
+          <p:spPr>
+            <a:xfrm>
+              <a:off x="8166536" y="2206832"/>
+              <a:ext cx="1324303" cy="830997"/>
+            </a:xfrm>
+            <a:prstGeom prst="rect">
+              <a:avLst/>
+            </a:prstGeom>
+            <a:noFill/>
+          </p:spPr>
+          <p:txBody>
+            <a:bodyPr wrap="square" rtlCol="0" anchor="ctr">
+              <a:spAutoFit/>
+            </a:bodyPr>
+            <a:lstStyle/>
+            <a:p>
+              <a:pPr algn="ctr"/>
+              <a:r>
+                <a:rPr lang="en-US" sz="1600" b="1" dirty="0"/>
+                <a:t>.</a:t>
+              </a:r>
+            </a:p>
+            <a:p>
+              <a:pPr algn="ctr"/>
+              <a:r>
+                <a:rPr lang="en-US" sz="1600" b="1" dirty="0"/>
+                <a:t>.</a:t>
+              </a:r>
+            </a:p>
+            <a:p>
+              <a:pPr algn="ctr"/>
+              <a:r>
+                <a:rPr lang="en-US" sz="1600" b="1" dirty="0"/>
+                <a:t>.</a:t>
+              </a:r>
+            </a:p>
+          </p:txBody>
+        </p:sp>
+        <p:sp>
+          <p:nvSpPr>
+            <p:cNvPr id="5" name="Left Brace 4">
+              <a:extLst>
+                <a:ext uri="{FF2B5EF4-FFF2-40B4-BE49-F238E27FC236}">
+                  <a16:creationId xmlns:a16="http://schemas.microsoft.com/office/drawing/2014/main" id="{4C923A28-6C90-1743-908F-72FD5AF8ED70}"/>
+                </a:ext>
+              </a:extLst>
+            </p:cNvPr>
+            <p:cNvSpPr/>
+            <p:nvPr/>
+          </p:nvSpPr>
+          <p:spPr>
+            <a:xfrm>
+              <a:off x="2312276" y="1282262"/>
+              <a:ext cx="404648" cy="2680140"/>
+            </a:xfrm>
+            <a:prstGeom prst="leftBrace">
+              <a:avLst>
+                <a:gd name="adj1" fmla="val 38550"/>
+                <a:gd name="adj2" fmla="val 50000"/>
+              </a:avLst>
+            </a:prstGeom>
+            <a:ln w="19050">
+              <a:solidFill>
+                <a:schemeClr val="tx1"/>
+              </a:solidFill>
+            </a:ln>
+          </p:spPr>
+          <p:style>
+            <a:lnRef idx="1">
+              <a:schemeClr val="accent1"/>
+            </a:lnRef>
+            <a:fillRef idx="0">
+              <a:schemeClr val="accent1"/>
+            </a:fillRef>
+            <a:effectRef idx="0">
+              <a:schemeClr val="accent1"/>
+            </a:effectRef>
+            <a:fontRef idx="minor">
               <a:schemeClr val="tx1"/>
-            </a:solidFill>
-          </a:ln>
-        </p:spPr>
-        <p:style>
-          <a:lnRef idx="2">
-            <a:schemeClr val="accent1">
-              <a:shade val="50000"/>
-            </a:schemeClr>
-          </a:lnRef>
-          <a:fillRef idx="1">
-            <a:schemeClr val="accent1"/>
-          </a:fillRef>
-          <a:effectRef idx="0">
-            <a:schemeClr val="accent1"/>
-          </a:effectRef>
-          <a:fontRef idx="minor">
-            <a:schemeClr val="lt1"/>
-          </a:fontRef>
-        </p:style>
-        <p:txBody>
-          <a:bodyPr rtlCol="0" anchor="ctr"/>
-          <a:lstStyle/>
-          <a:p>
-            <a:pPr algn="ctr"/>
-            <a:endParaRPr lang="en-US"/>
-          </a:p>
-        </p:txBody>
-      </p:sp>
-      <p:sp>
-        <p:nvSpPr>
-          <p:cNvPr id="10" name="Rectangle 9">
-            <a:extLst>
-              <a:ext uri="{FF2B5EF4-FFF2-40B4-BE49-F238E27FC236}">
-                <a16:creationId xmlns:a16="http://schemas.microsoft.com/office/drawing/2014/main" id="{75E0CD8A-4890-1341-8318-12685216697C}"/>
-              </a:ext>
-            </a:extLst>
-          </p:cNvPr>
-          <p:cNvSpPr/>
-          <p:nvPr/>
-        </p:nvSpPr>
-        <p:spPr>
-          <a:xfrm>
-            <a:off x="4193627" y="1282262"/>
-            <a:ext cx="1324303" cy="893380"/>
-          </a:xfrm>
-          <a:prstGeom prst="rect">
-            <a:avLst/>
-          </a:prstGeom>
-          <a:noFill/>
-          <a:ln w="28575">
-            <a:solidFill>
+            </a:fontRef>
+          </p:style>
+          <p:txBody>
+            <a:bodyPr rtlCol="0" anchor="ctr"/>
+            <a:lstStyle/>
+            <a:p>
+              <a:pPr algn="ctr"/>
+              <a:endParaRPr lang="en-US"/>
+            </a:p>
+          </p:txBody>
+        </p:sp>
+        <p:sp>
+          <p:nvSpPr>
+            <p:cNvPr id="37" name="Left Brace 36">
+              <a:extLst>
+                <a:ext uri="{FF2B5EF4-FFF2-40B4-BE49-F238E27FC236}">
+                  <a16:creationId xmlns:a16="http://schemas.microsoft.com/office/drawing/2014/main" id="{A6164101-9A47-914A-9938-CA2323A63DAC}"/>
+                </a:ext>
+              </a:extLst>
+            </p:cNvPr>
+            <p:cNvSpPr/>
+            <p:nvPr/>
+          </p:nvSpPr>
+          <p:spPr>
+            <a:xfrm rot="16200000">
+              <a:off x="5977758" y="1079172"/>
+              <a:ext cx="404648" cy="6621515"/>
+            </a:xfrm>
+            <a:prstGeom prst="leftBrace">
+              <a:avLst>
+                <a:gd name="adj1" fmla="val 38550"/>
+                <a:gd name="adj2" fmla="val 50000"/>
+              </a:avLst>
+            </a:prstGeom>
+            <a:ln w="19050">
+              <a:solidFill>
+                <a:schemeClr val="tx1"/>
+              </a:solidFill>
+            </a:ln>
+          </p:spPr>
+          <p:style>
+            <a:lnRef idx="1">
+              <a:schemeClr val="accent1"/>
+            </a:lnRef>
+            <a:fillRef idx="0">
+              <a:schemeClr val="accent1"/>
+            </a:fillRef>
+            <a:effectRef idx="0">
+              <a:schemeClr val="accent1"/>
+            </a:effectRef>
+            <a:fontRef idx="minor">
               <a:schemeClr val="tx1"/>
-            </a:solidFill>
-          </a:ln>
-        </p:spPr>
-        <p:style>
-          <a:lnRef idx="2">
-            <a:schemeClr val="accent1">
-              <a:shade val="50000"/>
-            </a:schemeClr>
-          </a:lnRef>
-          <a:fillRef idx="1">
-            <a:schemeClr val="accent1"/>
-          </a:fillRef>
-          <a:effectRef idx="0">
-            <a:schemeClr val="accent1"/>
-          </a:effectRef>
-          <a:fontRef idx="minor">
-            <a:schemeClr val="lt1"/>
-          </a:fontRef>
-        </p:style>
-        <p:txBody>
-          <a:bodyPr rtlCol="0" anchor="ctr"/>
-          <a:lstStyle/>
-          <a:p>
-            <a:pPr algn="ctr"/>
-            <a:endParaRPr lang="en-US"/>
-          </a:p>
-        </p:txBody>
-      </p:sp>
-      <p:sp>
-        <p:nvSpPr>
-          <p:cNvPr id="12" name="Rectangle 11">
-            <a:extLst>
-              <a:ext uri="{FF2B5EF4-FFF2-40B4-BE49-F238E27FC236}">
-                <a16:creationId xmlns:a16="http://schemas.microsoft.com/office/drawing/2014/main" id="{61A67A55-DE73-8949-91D0-1198CBBF1DE8}"/>
-              </a:ext>
-            </a:extLst>
-          </p:cNvPr>
-          <p:cNvSpPr/>
-          <p:nvPr/>
-        </p:nvSpPr>
-        <p:spPr>
-          <a:xfrm>
-            <a:off x="6842233" y="1282262"/>
-            <a:ext cx="1324303" cy="893380"/>
-          </a:xfrm>
-          <a:prstGeom prst="rect">
-            <a:avLst/>
-          </a:prstGeom>
-          <a:noFill/>
-          <a:ln w="28575">
-            <a:solidFill>
-              <a:schemeClr val="tx1"/>
-            </a:solidFill>
-          </a:ln>
-        </p:spPr>
-        <p:style>
-          <a:lnRef idx="2">
-            <a:schemeClr val="accent1">
-              <a:shade val="50000"/>
-            </a:schemeClr>
-          </a:lnRef>
-          <a:fillRef idx="1">
-            <a:schemeClr val="accent1"/>
-          </a:fillRef>
-          <a:effectRef idx="0">
-            <a:schemeClr val="accent1"/>
-          </a:effectRef>
-          <a:fontRef idx="minor">
-            <a:schemeClr val="lt1"/>
-          </a:fontRef>
-        </p:style>
-        <p:txBody>
-          <a:bodyPr rtlCol="0" anchor="ctr"/>
-          <a:lstStyle/>
-          <a:p>
-            <a:pPr algn="ctr"/>
-            <a:endParaRPr lang="en-US"/>
-          </a:p>
-        </p:txBody>
-      </p:sp>
-      <p:sp>
-        <p:nvSpPr>
-          <p:cNvPr id="13" name="Rectangle 12">
-            <a:extLst>
-              <a:ext uri="{FF2B5EF4-FFF2-40B4-BE49-F238E27FC236}">
-                <a16:creationId xmlns:a16="http://schemas.microsoft.com/office/drawing/2014/main" id="{91743959-6FEA-F74D-B176-B34AA0C67A65}"/>
-              </a:ext>
-            </a:extLst>
-          </p:cNvPr>
-          <p:cNvSpPr/>
-          <p:nvPr/>
-        </p:nvSpPr>
-        <p:spPr>
-          <a:xfrm>
-            <a:off x="8166536" y="1282262"/>
-            <a:ext cx="1324303" cy="893380"/>
-          </a:xfrm>
-          <a:prstGeom prst="rect">
-            <a:avLst/>
-          </a:prstGeom>
-          <a:noFill/>
-          <a:ln w="28575">
-            <a:solidFill>
-              <a:schemeClr val="tx1"/>
-            </a:solidFill>
-          </a:ln>
-        </p:spPr>
-        <p:style>
-          <a:lnRef idx="2">
-            <a:schemeClr val="accent1">
-              <a:shade val="50000"/>
-            </a:schemeClr>
-          </a:lnRef>
-          <a:fillRef idx="1">
-            <a:schemeClr val="accent1"/>
-          </a:fillRef>
-          <a:effectRef idx="0">
-            <a:schemeClr val="accent1"/>
-          </a:effectRef>
-          <a:fontRef idx="minor">
-            <a:schemeClr val="lt1"/>
-          </a:fontRef>
-        </p:style>
-        <p:txBody>
-          <a:bodyPr rtlCol="0" anchor="ctr"/>
-          <a:lstStyle/>
-          <a:p>
-            <a:pPr algn="ctr"/>
-            <a:endParaRPr lang="en-US"/>
-          </a:p>
-        </p:txBody>
-      </p:sp>
-      <p:sp>
-        <p:nvSpPr>
-          <p:cNvPr id="23" name="Rectangle 22">
-            <a:extLst>
-              <a:ext uri="{FF2B5EF4-FFF2-40B4-BE49-F238E27FC236}">
-                <a16:creationId xmlns:a16="http://schemas.microsoft.com/office/drawing/2014/main" id="{2DDCDBA7-0929-A14B-9084-31F88074046D}"/>
-              </a:ext>
-            </a:extLst>
-          </p:cNvPr>
-          <p:cNvSpPr/>
-          <p:nvPr/>
-        </p:nvSpPr>
-        <p:spPr>
-          <a:xfrm>
-            <a:off x="2869324" y="3069022"/>
-            <a:ext cx="1324303" cy="893380"/>
-          </a:xfrm>
-          <a:prstGeom prst="rect">
-            <a:avLst/>
-          </a:prstGeom>
-          <a:noFill/>
-          <a:ln w="28575">
-            <a:solidFill>
-              <a:schemeClr val="tx1"/>
-            </a:solidFill>
-          </a:ln>
-        </p:spPr>
-        <p:style>
-          <a:lnRef idx="2">
-            <a:schemeClr val="accent1">
-              <a:shade val="50000"/>
-            </a:schemeClr>
-          </a:lnRef>
-          <a:fillRef idx="1">
-            <a:schemeClr val="accent1"/>
-          </a:fillRef>
-          <a:effectRef idx="0">
-            <a:schemeClr val="accent1"/>
-          </a:effectRef>
-          <a:fontRef idx="minor">
-            <a:schemeClr val="lt1"/>
-          </a:fontRef>
-        </p:style>
-        <p:txBody>
-          <a:bodyPr rtlCol="0" anchor="ctr"/>
-          <a:lstStyle/>
-          <a:p>
-            <a:pPr algn="ctr"/>
-            <a:endParaRPr lang="en-US"/>
-          </a:p>
-        </p:txBody>
-      </p:sp>
-      <p:sp>
-        <p:nvSpPr>
-          <p:cNvPr id="24" name="Rectangle 23">
-            <a:extLst>
-              <a:ext uri="{FF2B5EF4-FFF2-40B4-BE49-F238E27FC236}">
-                <a16:creationId xmlns:a16="http://schemas.microsoft.com/office/drawing/2014/main" id="{09CC4AE1-FD3B-F94B-BA97-2C81A5F00785}"/>
-              </a:ext>
-            </a:extLst>
-          </p:cNvPr>
-          <p:cNvSpPr/>
-          <p:nvPr/>
-        </p:nvSpPr>
-        <p:spPr>
-          <a:xfrm>
-            <a:off x="4193627" y="3069022"/>
-            <a:ext cx="1324303" cy="893380"/>
-          </a:xfrm>
-          <a:prstGeom prst="rect">
-            <a:avLst/>
-          </a:prstGeom>
-          <a:noFill/>
-          <a:ln w="28575">
-            <a:solidFill>
-              <a:schemeClr val="tx1"/>
-            </a:solidFill>
-          </a:ln>
-        </p:spPr>
-        <p:style>
-          <a:lnRef idx="2">
-            <a:schemeClr val="accent1">
-              <a:shade val="50000"/>
-            </a:schemeClr>
-          </a:lnRef>
-          <a:fillRef idx="1">
-            <a:schemeClr val="accent1"/>
-          </a:fillRef>
-          <a:effectRef idx="0">
-            <a:schemeClr val="accent1"/>
-          </a:effectRef>
-          <a:fontRef idx="minor">
-            <a:schemeClr val="lt1"/>
-          </a:fontRef>
-        </p:style>
-        <p:txBody>
-          <a:bodyPr rtlCol="0" anchor="ctr"/>
-          <a:lstStyle/>
-          <a:p>
-            <a:pPr algn="ctr"/>
-            <a:endParaRPr lang="en-US"/>
-          </a:p>
-        </p:txBody>
-      </p:sp>
-      <p:sp>
-        <p:nvSpPr>
-          <p:cNvPr id="26" name="Rectangle 25">
-            <a:extLst>
-              <a:ext uri="{FF2B5EF4-FFF2-40B4-BE49-F238E27FC236}">
-                <a16:creationId xmlns:a16="http://schemas.microsoft.com/office/drawing/2014/main" id="{26E986D3-68F6-C548-83DA-9EE48AE8C222}"/>
-              </a:ext>
-            </a:extLst>
-          </p:cNvPr>
-          <p:cNvSpPr/>
-          <p:nvPr/>
-        </p:nvSpPr>
-        <p:spPr>
-          <a:xfrm>
-            <a:off x="6842233" y="3069022"/>
-            <a:ext cx="1324303" cy="893380"/>
-          </a:xfrm>
-          <a:prstGeom prst="rect">
-            <a:avLst/>
-          </a:prstGeom>
-          <a:noFill/>
-          <a:ln w="28575">
-            <a:solidFill>
-              <a:schemeClr val="tx1"/>
-            </a:solidFill>
-          </a:ln>
-        </p:spPr>
-        <p:style>
-          <a:lnRef idx="2">
-            <a:schemeClr val="accent1">
-              <a:shade val="50000"/>
-            </a:schemeClr>
-          </a:lnRef>
-          <a:fillRef idx="1">
-            <a:schemeClr val="accent1"/>
-          </a:fillRef>
-          <a:effectRef idx="0">
-            <a:schemeClr val="accent1"/>
-          </a:effectRef>
-          <a:fontRef idx="minor">
-            <a:schemeClr val="lt1"/>
-          </a:fontRef>
-        </p:style>
-        <p:txBody>
-          <a:bodyPr rtlCol="0" anchor="ctr"/>
-          <a:lstStyle/>
-          <a:p>
-            <a:pPr algn="ctr"/>
-            <a:endParaRPr lang="en-US"/>
-          </a:p>
-        </p:txBody>
-      </p:sp>
-      <p:sp>
-        <p:nvSpPr>
-          <p:cNvPr id="27" name="Rectangle 26">
-            <a:extLst>
-              <a:ext uri="{FF2B5EF4-FFF2-40B4-BE49-F238E27FC236}">
-                <a16:creationId xmlns:a16="http://schemas.microsoft.com/office/drawing/2014/main" id="{E859792B-CC86-D348-AA91-67859B5C3B3C}"/>
-              </a:ext>
-            </a:extLst>
-          </p:cNvPr>
-          <p:cNvSpPr/>
-          <p:nvPr/>
-        </p:nvSpPr>
-        <p:spPr>
-          <a:xfrm>
-            <a:off x="8166536" y="3069022"/>
-            <a:ext cx="1324303" cy="893380"/>
-          </a:xfrm>
-          <a:prstGeom prst="rect">
-            <a:avLst/>
-          </a:prstGeom>
-          <a:noFill/>
-          <a:ln w="28575">
-            <a:solidFill>
-              <a:schemeClr val="tx1"/>
-            </a:solidFill>
-          </a:ln>
-        </p:spPr>
-        <p:style>
-          <a:lnRef idx="2">
-            <a:schemeClr val="accent1">
-              <a:shade val="50000"/>
-            </a:schemeClr>
-          </a:lnRef>
-          <a:fillRef idx="1">
-            <a:schemeClr val="accent1"/>
-          </a:fillRef>
-          <a:effectRef idx="0">
-            <a:schemeClr val="accent1"/>
-          </a:effectRef>
-          <a:fontRef idx="minor">
-            <a:schemeClr val="lt1"/>
-          </a:fontRef>
-        </p:style>
-        <p:txBody>
-          <a:bodyPr rtlCol="0" anchor="ctr"/>
-          <a:lstStyle/>
-          <a:p>
-            <a:pPr algn="ctr"/>
-            <a:endParaRPr lang="en-US"/>
-          </a:p>
-        </p:txBody>
-      </p:sp>
-      <p:sp>
-        <p:nvSpPr>
-          <p:cNvPr id="3" name="TextBox 2">
-            <a:extLst>
-              <a:ext uri="{FF2B5EF4-FFF2-40B4-BE49-F238E27FC236}">
-                <a16:creationId xmlns:a16="http://schemas.microsoft.com/office/drawing/2014/main" id="{236F7711-0332-9540-AE15-8A26DA69EE10}"/>
-              </a:ext>
-            </a:extLst>
-          </p:cNvPr>
-          <p:cNvSpPr txBox="1"/>
-          <p:nvPr/>
-        </p:nvSpPr>
-        <p:spPr>
-          <a:xfrm>
-            <a:off x="5517928" y="1559675"/>
-            <a:ext cx="1324303" cy="338554"/>
-          </a:xfrm>
-          <a:prstGeom prst="rect">
-            <a:avLst/>
-          </a:prstGeom>
-          <a:noFill/>
-        </p:spPr>
-        <p:txBody>
-          <a:bodyPr wrap="square" rtlCol="0" anchor="ctr">
-            <a:spAutoFit/>
-          </a:bodyPr>
-          <a:lstStyle/>
-          <a:p>
-            <a:pPr algn="ctr"/>
-            <a:r>
-              <a:rPr lang="en-US" sz="1600" b="1" dirty="0"/>
-              <a:t>.   .   .</a:t>
-            </a:r>
-          </a:p>
-        </p:txBody>
-      </p:sp>
-      <p:sp>
-        <p:nvSpPr>
-          <p:cNvPr id="34" name="TextBox 33">
-            <a:extLst>
-              <a:ext uri="{FF2B5EF4-FFF2-40B4-BE49-F238E27FC236}">
-                <a16:creationId xmlns:a16="http://schemas.microsoft.com/office/drawing/2014/main" id="{49CF2E99-C5DF-4F45-AE9E-3C7AB0784F49}"/>
-              </a:ext>
-            </a:extLst>
-          </p:cNvPr>
-          <p:cNvSpPr txBox="1"/>
-          <p:nvPr/>
-        </p:nvSpPr>
-        <p:spPr>
-          <a:xfrm>
-            <a:off x="2869324" y="2206833"/>
-            <a:ext cx="1324303" cy="830997"/>
-          </a:xfrm>
-          <a:prstGeom prst="rect">
-            <a:avLst/>
-          </a:prstGeom>
-          <a:noFill/>
-        </p:spPr>
-        <p:txBody>
-          <a:bodyPr wrap="square" rtlCol="0" anchor="ctr">
-            <a:spAutoFit/>
-          </a:bodyPr>
-          <a:lstStyle/>
-          <a:p>
-            <a:pPr algn="ctr"/>
-            <a:r>
-              <a:rPr lang="en-US" sz="1600" b="1" dirty="0"/>
-              <a:t>.</a:t>
-            </a:r>
-          </a:p>
-          <a:p>
-            <a:pPr algn="ctr"/>
-            <a:r>
-              <a:rPr lang="en-US" sz="1600" b="1" dirty="0"/>
-              <a:t>.</a:t>
-            </a:r>
-          </a:p>
-          <a:p>
-            <a:pPr algn="ctr"/>
-            <a:r>
-              <a:rPr lang="en-US" sz="1600" b="1" dirty="0"/>
-              <a:t>.</a:t>
-            </a:r>
-          </a:p>
-        </p:txBody>
-      </p:sp>
-      <p:sp>
-        <p:nvSpPr>
-          <p:cNvPr id="35" name="TextBox 34">
-            <a:extLst>
-              <a:ext uri="{FF2B5EF4-FFF2-40B4-BE49-F238E27FC236}">
-                <a16:creationId xmlns:a16="http://schemas.microsoft.com/office/drawing/2014/main" id="{8067811C-A6B2-F843-8792-4A8B8D85E5E1}"/>
-              </a:ext>
-            </a:extLst>
-          </p:cNvPr>
-          <p:cNvSpPr txBox="1"/>
-          <p:nvPr/>
-        </p:nvSpPr>
-        <p:spPr>
-          <a:xfrm>
-            <a:off x="5517929" y="3346435"/>
-            <a:ext cx="1324303" cy="338554"/>
-          </a:xfrm>
-          <a:prstGeom prst="rect">
-            <a:avLst/>
-          </a:prstGeom>
-          <a:noFill/>
-        </p:spPr>
-        <p:txBody>
-          <a:bodyPr wrap="square" rtlCol="0" anchor="ctr">
-            <a:spAutoFit/>
-          </a:bodyPr>
-          <a:lstStyle/>
-          <a:p>
-            <a:pPr algn="ctr"/>
-            <a:r>
-              <a:rPr lang="en-US" sz="1600" b="1" dirty="0"/>
-              <a:t>.   .   .</a:t>
-            </a:r>
-          </a:p>
-        </p:txBody>
-      </p:sp>
-      <p:sp>
-        <p:nvSpPr>
-          <p:cNvPr id="36" name="TextBox 35">
-            <a:extLst>
-              <a:ext uri="{FF2B5EF4-FFF2-40B4-BE49-F238E27FC236}">
-                <a16:creationId xmlns:a16="http://schemas.microsoft.com/office/drawing/2014/main" id="{12CD6C4E-143D-7E44-BE76-4DF51B988627}"/>
-              </a:ext>
-            </a:extLst>
-          </p:cNvPr>
-          <p:cNvSpPr txBox="1"/>
-          <p:nvPr/>
-        </p:nvSpPr>
-        <p:spPr>
-          <a:xfrm>
-            <a:off x="8166536" y="2206832"/>
-            <a:ext cx="1324303" cy="830997"/>
-          </a:xfrm>
-          <a:prstGeom prst="rect">
-            <a:avLst/>
-          </a:prstGeom>
-          <a:noFill/>
-        </p:spPr>
-        <p:txBody>
-          <a:bodyPr wrap="square" rtlCol="0" anchor="ctr">
-            <a:spAutoFit/>
-          </a:bodyPr>
-          <a:lstStyle/>
-          <a:p>
-            <a:pPr algn="ctr"/>
-            <a:r>
-              <a:rPr lang="en-US" sz="1600" b="1" dirty="0"/>
-              <a:t>.</a:t>
-            </a:r>
-          </a:p>
-          <a:p>
-            <a:pPr algn="ctr"/>
-            <a:r>
-              <a:rPr lang="en-US" sz="1600" b="1" dirty="0"/>
-              <a:t>.</a:t>
-            </a:r>
-          </a:p>
-          <a:p>
-            <a:pPr algn="ctr"/>
-            <a:r>
-              <a:rPr lang="en-US" sz="1600" b="1" dirty="0"/>
-              <a:t>.</a:t>
-            </a:r>
-          </a:p>
-        </p:txBody>
-      </p:sp>
-      <p:sp>
-        <p:nvSpPr>
-          <p:cNvPr id="5" name="Left Brace 4">
-            <a:extLst>
-              <a:ext uri="{FF2B5EF4-FFF2-40B4-BE49-F238E27FC236}">
-                <a16:creationId xmlns:a16="http://schemas.microsoft.com/office/drawing/2014/main" id="{4C923A28-6C90-1743-908F-72FD5AF8ED70}"/>
-              </a:ext>
-            </a:extLst>
-          </p:cNvPr>
-          <p:cNvSpPr/>
-          <p:nvPr/>
-        </p:nvSpPr>
-        <p:spPr>
-          <a:xfrm>
-            <a:off x="2312276" y="1282262"/>
-            <a:ext cx="404648" cy="2680140"/>
-          </a:xfrm>
-          <a:prstGeom prst="leftBrace">
-            <a:avLst>
-              <a:gd name="adj1" fmla="val 38550"/>
-              <a:gd name="adj2" fmla="val 50000"/>
-            </a:avLst>
-          </a:prstGeom>
-          <a:ln w="19050">
-            <a:solidFill>
-              <a:schemeClr val="tx1"/>
-            </a:solidFill>
-          </a:ln>
-        </p:spPr>
-        <p:style>
-          <a:lnRef idx="1">
-            <a:schemeClr val="accent1"/>
-          </a:lnRef>
-          <a:fillRef idx="0">
-            <a:schemeClr val="accent1"/>
-          </a:fillRef>
-          <a:effectRef idx="0">
-            <a:schemeClr val="accent1"/>
-          </a:effectRef>
-          <a:fontRef idx="minor">
-            <a:schemeClr val="tx1"/>
-          </a:fontRef>
-        </p:style>
-        <p:txBody>
-          <a:bodyPr rtlCol="0" anchor="ctr"/>
-          <a:lstStyle/>
-          <a:p>
-            <a:pPr algn="ctr"/>
-            <a:endParaRPr lang="en-US"/>
-          </a:p>
-        </p:txBody>
-      </p:sp>
-      <p:sp>
-        <p:nvSpPr>
-          <p:cNvPr id="37" name="Left Brace 36">
-            <a:extLst>
-              <a:ext uri="{FF2B5EF4-FFF2-40B4-BE49-F238E27FC236}">
-                <a16:creationId xmlns:a16="http://schemas.microsoft.com/office/drawing/2014/main" id="{A6164101-9A47-914A-9938-CA2323A63DAC}"/>
-              </a:ext>
-            </a:extLst>
-          </p:cNvPr>
-          <p:cNvSpPr/>
-          <p:nvPr/>
-        </p:nvSpPr>
-        <p:spPr>
-          <a:xfrm rot="16200000">
-            <a:off x="5977758" y="1079172"/>
-            <a:ext cx="404648" cy="6621515"/>
-          </a:xfrm>
-          <a:prstGeom prst="leftBrace">
-            <a:avLst>
-              <a:gd name="adj1" fmla="val 38550"/>
-              <a:gd name="adj2" fmla="val 50000"/>
-            </a:avLst>
-          </a:prstGeom>
-          <a:ln w="19050">
-            <a:solidFill>
-              <a:schemeClr val="tx1"/>
-            </a:solidFill>
-          </a:ln>
-        </p:spPr>
-        <p:style>
-          <a:lnRef idx="1">
-            <a:schemeClr val="accent1"/>
-          </a:lnRef>
-          <a:fillRef idx="0">
-            <a:schemeClr val="accent1"/>
-          </a:fillRef>
-          <a:effectRef idx="0">
-            <a:schemeClr val="accent1"/>
-          </a:effectRef>
-          <a:fontRef idx="minor">
-            <a:schemeClr val="tx1"/>
-          </a:fontRef>
-        </p:style>
-        <p:txBody>
-          <a:bodyPr rtlCol="0" anchor="ctr"/>
-          <a:lstStyle/>
-          <a:p>
-            <a:pPr algn="ctr"/>
-            <a:endParaRPr lang="en-US"/>
-          </a:p>
-        </p:txBody>
-      </p:sp>
-      <p:sp>
-        <p:nvSpPr>
-          <p:cNvPr id="6" name="TextBox 5">
-            <a:extLst>
-              <a:ext uri="{FF2B5EF4-FFF2-40B4-BE49-F238E27FC236}">
-                <a16:creationId xmlns:a16="http://schemas.microsoft.com/office/drawing/2014/main" id="{55FB61F4-584B-1D4F-AA4E-E5F5C421789E}"/>
-              </a:ext>
-            </a:extLst>
-          </p:cNvPr>
-          <p:cNvSpPr txBox="1"/>
-          <p:nvPr/>
-        </p:nvSpPr>
-        <p:spPr>
-          <a:xfrm>
-            <a:off x="2002938" y="2406134"/>
-            <a:ext cx="351378" cy="369332"/>
-          </a:xfrm>
-          <a:prstGeom prst="rect">
-            <a:avLst/>
-          </a:prstGeom>
-          <a:noFill/>
-        </p:spPr>
-        <p:txBody>
-          <a:bodyPr wrap="none" rtlCol="0" anchor="ctr">
-            <a:spAutoFit/>
-          </a:bodyPr>
-          <a:lstStyle/>
-          <a:p>
-            <a:pPr algn="ctr"/>
-            <a:r>
-              <a:rPr lang="en-US" i="1" dirty="0">
-                <a:latin typeface="Times New Roman" panose="02020603050405020304" pitchFamily="18" charset="0"/>
-                <a:cs typeface="Times New Roman" panose="02020603050405020304" pitchFamily="18" charset="0"/>
-              </a:rPr>
-              <a:t>m</a:t>
-            </a:r>
-          </a:p>
-        </p:txBody>
-      </p:sp>
-      <p:sp>
-        <p:nvSpPr>
-          <p:cNvPr id="38" name="TextBox 37">
-            <a:extLst>
-              <a:ext uri="{FF2B5EF4-FFF2-40B4-BE49-F238E27FC236}">
-                <a16:creationId xmlns:a16="http://schemas.microsoft.com/office/drawing/2014/main" id="{E076EC90-C09C-0C48-9148-4804A78FE77B}"/>
-              </a:ext>
-            </a:extLst>
-          </p:cNvPr>
-          <p:cNvSpPr txBox="1"/>
-          <p:nvPr/>
-        </p:nvSpPr>
-        <p:spPr>
-          <a:xfrm>
-            <a:off x="6035920" y="4529194"/>
-            <a:ext cx="300082" cy="369332"/>
-          </a:xfrm>
-          <a:prstGeom prst="rect">
-            <a:avLst/>
-          </a:prstGeom>
-          <a:noFill/>
-        </p:spPr>
-        <p:txBody>
-          <a:bodyPr wrap="none" rtlCol="0" anchor="ctr">
-            <a:spAutoFit/>
-          </a:bodyPr>
-          <a:lstStyle/>
-          <a:p>
-            <a:pPr algn="ctr"/>
-            <a:r>
-              <a:rPr lang="en-US" i="1" dirty="0">
-                <a:latin typeface="Times New Roman" panose="02020603050405020304" pitchFamily="18" charset="0"/>
-                <a:cs typeface="Times New Roman" panose="02020603050405020304" pitchFamily="18" charset="0"/>
-              </a:rPr>
-              <a:t>n</a:t>
-            </a:r>
-          </a:p>
-        </p:txBody>
-      </p:sp>
+            </a:fontRef>
+          </p:style>
+          <p:txBody>
+            <a:bodyPr rtlCol="0" anchor="ctr"/>
+            <a:lstStyle/>
+            <a:p>
+              <a:pPr algn="ctr"/>
+              <a:endParaRPr lang="en-US"/>
+            </a:p>
+          </p:txBody>
+        </p:sp>
+        <p:sp>
+          <p:nvSpPr>
+            <p:cNvPr id="6" name="TextBox 5">
+              <a:extLst>
+                <a:ext uri="{FF2B5EF4-FFF2-40B4-BE49-F238E27FC236}">
+                  <a16:creationId xmlns:a16="http://schemas.microsoft.com/office/drawing/2014/main" id="{55FB61F4-584B-1D4F-AA4E-E5F5C421789E}"/>
+                </a:ext>
+              </a:extLst>
+            </p:cNvPr>
+            <p:cNvSpPr txBox="1"/>
+            <p:nvPr/>
+          </p:nvSpPr>
+          <p:spPr>
+            <a:xfrm>
+              <a:off x="2002938" y="2406134"/>
+              <a:ext cx="351378" cy="369332"/>
+            </a:xfrm>
+            <a:prstGeom prst="rect">
+              <a:avLst/>
+            </a:prstGeom>
+            <a:noFill/>
+          </p:spPr>
+          <p:txBody>
+            <a:bodyPr wrap="none" rtlCol="0" anchor="ctr">
+              <a:spAutoFit/>
+            </a:bodyPr>
+            <a:lstStyle/>
+            <a:p>
+              <a:pPr algn="ctr"/>
+              <a:r>
+                <a:rPr lang="en-US" i="1" dirty="0">
+                  <a:latin typeface="Times New Roman" panose="02020603050405020304" pitchFamily="18" charset="0"/>
+                  <a:cs typeface="Times New Roman" panose="02020603050405020304" pitchFamily="18" charset="0"/>
+                </a:rPr>
+                <a:t>m</a:t>
+              </a:r>
+            </a:p>
+          </p:txBody>
+        </p:sp>
+        <p:sp>
+          <p:nvSpPr>
+            <p:cNvPr id="38" name="TextBox 37">
+              <a:extLst>
+                <a:ext uri="{FF2B5EF4-FFF2-40B4-BE49-F238E27FC236}">
+                  <a16:creationId xmlns:a16="http://schemas.microsoft.com/office/drawing/2014/main" id="{E076EC90-C09C-0C48-9148-4804A78FE77B}"/>
+                </a:ext>
+              </a:extLst>
+            </p:cNvPr>
+            <p:cNvSpPr txBox="1"/>
+            <p:nvPr/>
+          </p:nvSpPr>
+          <p:spPr>
+            <a:xfrm>
+              <a:off x="6035920" y="4529194"/>
+              <a:ext cx="300082" cy="369332"/>
+            </a:xfrm>
+            <a:prstGeom prst="rect">
+              <a:avLst/>
+            </a:prstGeom>
+            <a:noFill/>
+          </p:spPr>
+          <p:txBody>
+            <a:bodyPr wrap="none" rtlCol="0" anchor="ctr">
+              <a:spAutoFit/>
+            </a:bodyPr>
+            <a:lstStyle/>
+            <a:p>
+              <a:pPr algn="ctr"/>
+              <a:r>
+                <a:rPr lang="en-US" i="1" dirty="0">
+                  <a:latin typeface="Times New Roman" panose="02020603050405020304" pitchFamily="18" charset="0"/>
+                  <a:cs typeface="Times New Roman" panose="02020603050405020304" pitchFamily="18" charset="0"/>
+                </a:rPr>
+                <a:t>n</a:t>
+              </a:r>
+            </a:p>
+          </p:txBody>
+        </p:sp>
+      </p:grpSp>
     </p:spTree>
     <p:extLst>
       <p:ext uri="{BB962C8B-B14F-4D97-AF65-F5344CB8AC3E}">

--- a/puzzles/figures/6pVn3BbaY2SPB5LzpwF4ko.pptx
+++ b/puzzles/figures/6pVn3BbaY2SPB5LzpwF4ko.pptx
@@ -199,7 +199,7 @@
           <a:p>
             <a:fld id="{C252B796-5EEC-A040-BCC4-F8757A1DA040}" type="datetimeFigureOut">
               <a:rPr lang="en-US" smtClean="0"/>
-              <a:t>11/2/22</a:t>
+              <a:t>11/12/22</a:t>
             </a:fld>
             <a:endParaRPr lang="en-US"/>
           </a:p>
@@ -865,7 +865,7 @@
           <a:p>
             <a:fld id="{AC7AAF1B-2157-7B4E-9885-5B0EDA675504}" type="datetimeFigureOut">
               <a:rPr lang="en-US" smtClean="0"/>
-              <a:t>11/2/22</a:t>
+              <a:t>11/12/22</a:t>
             </a:fld>
             <a:endParaRPr lang="en-US"/>
           </a:p>
@@ -1063,7 +1063,7 @@
           <a:p>
             <a:fld id="{AC7AAF1B-2157-7B4E-9885-5B0EDA675504}" type="datetimeFigureOut">
               <a:rPr lang="en-US" smtClean="0"/>
-              <a:t>11/2/22</a:t>
+              <a:t>11/12/22</a:t>
             </a:fld>
             <a:endParaRPr lang="en-US"/>
           </a:p>
@@ -1271,7 +1271,7 @@
           <a:p>
             <a:fld id="{AC7AAF1B-2157-7B4E-9885-5B0EDA675504}" type="datetimeFigureOut">
               <a:rPr lang="en-US" smtClean="0"/>
-              <a:t>11/2/22</a:t>
+              <a:t>11/12/22</a:t>
             </a:fld>
             <a:endParaRPr lang="en-US"/>
           </a:p>
@@ -1469,7 +1469,7 @@
           <a:p>
             <a:fld id="{AC7AAF1B-2157-7B4E-9885-5B0EDA675504}" type="datetimeFigureOut">
               <a:rPr lang="en-US" smtClean="0"/>
-              <a:t>11/2/22</a:t>
+              <a:t>11/12/22</a:t>
             </a:fld>
             <a:endParaRPr lang="en-US"/>
           </a:p>
@@ -1744,7 +1744,7 @@
           <a:p>
             <a:fld id="{AC7AAF1B-2157-7B4E-9885-5B0EDA675504}" type="datetimeFigureOut">
               <a:rPr lang="en-US" smtClean="0"/>
-              <a:t>11/2/22</a:t>
+              <a:t>11/12/22</a:t>
             </a:fld>
             <a:endParaRPr lang="en-US"/>
           </a:p>
@@ -2009,7 +2009,7 @@
           <a:p>
             <a:fld id="{AC7AAF1B-2157-7B4E-9885-5B0EDA675504}" type="datetimeFigureOut">
               <a:rPr lang="en-US" smtClean="0"/>
-              <a:t>11/2/22</a:t>
+              <a:t>11/12/22</a:t>
             </a:fld>
             <a:endParaRPr lang="en-US"/>
           </a:p>
@@ -2421,7 +2421,7 @@
           <a:p>
             <a:fld id="{AC7AAF1B-2157-7B4E-9885-5B0EDA675504}" type="datetimeFigureOut">
               <a:rPr lang="en-US" smtClean="0"/>
-              <a:t>11/2/22</a:t>
+              <a:t>11/12/22</a:t>
             </a:fld>
             <a:endParaRPr lang="en-US"/>
           </a:p>
@@ -2567,7 +2567,7 @@
           <a:p>
             <a:fld id="{AC7AAF1B-2157-7B4E-9885-5B0EDA675504}" type="datetimeFigureOut">
               <a:rPr lang="en-US" smtClean="0"/>
-              <a:t>11/2/22</a:t>
+              <a:t>11/12/22</a:t>
             </a:fld>
             <a:endParaRPr lang="en-US"/>
           </a:p>
@@ -2680,7 +2680,7 @@
           <a:p>
             <a:fld id="{AC7AAF1B-2157-7B4E-9885-5B0EDA675504}" type="datetimeFigureOut">
               <a:rPr lang="en-US" smtClean="0"/>
-              <a:t>11/2/22</a:t>
+              <a:t>11/12/22</a:t>
             </a:fld>
             <a:endParaRPr lang="en-US"/>
           </a:p>
@@ -2991,7 +2991,7 @@
           <a:p>
             <a:fld id="{AC7AAF1B-2157-7B4E-9885-5B0EDA675504}" type="datetimeFigureOut">
               <a:rPr lang="en-US" smtClean="0"/>
-              <a:t>11/2/22</a:t>
+              <a:t>11/12/22</a:t>
             </a:fld>
             <a:endParaRPr lang="en-US"/>
           </a:p>
@@ -3279,7 +3279,7 @@
           <a:p>
             <a:fld id="{AC7AAF1B-2157-7B4E-9885-5B0EDA675504}" type="datetimeFigureOut">
               <a:rPr lang="en-US" smtClean="0"/>
-              <a:t>11/2/22</a:t>
+              <a:t>11/12/22</a:t>
             </a:fld>
             <a:endParaRPr lang="en-US"/>
           </a:p>
@@ -3520,7 +3520,7 @@
           <a:p>
             <a:fld id="{AC7AAF1B-2157-7B4E-9885-5B0EDA675504}" type="datetimeFigureOut">
               <a:rPr lang="en-US" smtClean="0"/>
-              <a:t>11/2/22</a:t>
+              <a:t>11/12/22</a:t>
             </a:fld>
             <a:endParaRPr lang="en-US"/>
           </a:p>
@@ -5393,10 +5393,10 @@
       </p:grpSpPr>
       <p:grpSp>
         <p:nvGrpSpPr>
-          <p:cNvPr id="7" name="Group 6">
+          <p:cNvPr id="4" name="Group 3">
             <a:extLst>
               <a:ext uri="{FF2B5EF4-FFF2-40B4-BE49-F238E27FC236}">
-                <a16:creationId xmlns:a16="http://schemas.microsoft.com/office/drawing/2014/main" id="{6B7CDC5F-50E6-1E4C-927E-AF318AB49F60}"/>
+                <a16:creationId xmlns:a16="http://schemas.microsoft.com/office/drawing/2014/main" id="{9C2FB2D3-B3EA-DE4E-BFCE-C2294AD6FBF4}"/>
               </a:ext>
             </a:extLst>
           </p:cNvPr>
@@ -5841,8 +5841,8 @@
           </p:nvSpPr>
           <p:spPr>
             <a:xfrm>
-              <a:off x="5517928" y="1559675"/>
-              <a:ext cx="1324303" cy="338554"/>
+              <a:off x="5517928" y="1528897"/>
+              <a:ext cx="1324303" cy="400110"/>
             </a:xfrm>
             <a:prstGeom prst="rect">
               <a:avLst/>
@@ -5857,144 +5857,8 @@
             <a:p>
               <a:pPr algn="ctr"/>
               <a:r>
-                <a:rPr lang="en-US" sz="1600" b="1" dirty="0"/>
+                <a:rPr lang="en-US" sz="2000" b="1" dirty="0"/>
                 <a:t>.   .   .</a:t>
-              </a:r>
-            </a:p>
-          </p:txBody>
-        </p:sp>
-        <p:sp>
-          <p:nvSpPr>
-            <p:cNvPr id="34" name="TextBox 33">
-              <a:extLst>
-                <a:ext uri="{FF2B5EF4-FFF2-40B4-BE49-F238E27FC236}">
-                  <a16:creationId xmlns:a16="http://schemas.microsoft.com/office/drawing/2014/main" id="{49CF2E99-C5DF-4F45-AE9E-3C7AB0784F49}"/>
-                </a:ext>
-              </a:extLst>
-            </p:cNvPr>
-            <p:cNvSpPr txBox="1"/>
-            <p:nvPr/>
-          </p:nvSpPr>
-          <p:spPr>
-            <a:xfrm>
-              <a:off x="2869324" y="2206833"/>
-              <a:ext cx="1324303" cy="830997"/>
-            </a:xfrm>
-            <a:prstGeom prst="rect">
-              <a:avLst/>
-            </a:prstGeom>
-            <a:noFill/>
-          </p:spPr>
-          <p:txBody>
-            <a:bodyPr wrap="square" rtlCol="0" anchor="ctr">
-              <a:spAutoFit/>
-            </a:bodyPr>
-            <a:lstStyle/>
-            <a:p>
-              <a:pPr algn="ctr"/>
-              <a:r>
-                <a:rPr lang="en-US" sz="1600" b="1" dirty="0"/>
-                <a:t>.</a:t>
-              </a:r>
-            </a:p>
-            <a:p>
-              <a:pPr algn="ctr"/>
-              <a:r>
-                <a:rPr lang="en-US" sz="1600" b="1" dirty="0"/>
-                <a:t>.</a:t>
-              </a:r>
-            </a:p>
-            <a:p>
-              <a:pPr algn="ctr"/>
-              <a:r>
-                <a:rPr lang="en-US" sz="1600" b="1" dirty="0"/>
-                <a:t>.</a:t>
-              </a:r>
-            </a:p>
-          </p:txBody>
-        </p:sp>
-        <p:sp>
-          <p:nvSpPr>
-            <p:cNvPr id="35" name="TextBox 34">
-              <a:extLst>
-                <a:ext uri="{FF2B5EF4-FFF2-40B4-BE49-F238E27FC236}">
-                  <a16:creationId xmlns:a16="http://schemas.microsoft.com/office/drawing/2014/main" id="{8067811C-A6B2-F843-8792-4A8B8D85E5E1}"/>
-                </a:ext>
-              </a:extLst>
-            </p:cNvPr>
-            <p:cNvSpPr txBox="1"/>
-            <p:nvPr/>
-          </p:nvSpPr>
-          <p:spPr>
-            <a:xfrm>
-              <a:off x="5517929" y="3346435"/>
-              <a:ext cx="1324303" cy="338554"/>
-            </a:xfrm>
-            <a:prstGeom prst="rect">
-              <a:avLst/>
-            </a:prstGeom>
-            <a:noFill/>
-          </p:spPr>
-          <p:txBody>
-            <a:bodyPr wrap="square" rtlCol="0" anchor="ctr">
-              <a:spAutoFit/>
-            </a:bodyPr>
-            <a:lstStyle/>
-            <a:p>
-              <a:pPr algn="ctr"/>
-              <a:r>
-                <a:rPr lang="en-US" sz="1600" b="1" dirty="0"/>
-                <a:t>.   .   .</a:t>
-              </a:r>
-            </a:p>
-          </p:txBody>
-        </p:sp>
-        <p:sp>
-          <p:nvSpPr>
-            <p:cNvPr id="36" name="TextBox 35">
-              <a:extLst>
-                <a:ext uri="{FF2B5EF4-FFF2-40B4-BE49-F238E27FC236}">
-                  <a16:creationId xmlns:a16="http://schemas.microsoft.com/office/drawing/2014/main" id="{12CD6C4E-143D-7E44-BE76-4DF51B988627}"/>
-                </a:ext>
-              </a:extLst>
-            </p:cNvPr>
-            <p:cNvSpPr txBox="1"/>
-            <p:nvPr/>
-          </p:nvSpPr>
-          <p:spPr>
-            <a:xfrm>
-              <a:off x="8166536" y="2206832"/>
-              <a:ext cx="1324303" cy="830997"/>
-            </a:xfrm>
-            <a:prstGeom prst="rect">
-              <a:avLst/>
-            </a:prstGeom>
-            <a:noFill/>
-          </p:spPr>
-          <p:txBody>
-            <a:bodyPr wrap="square" rtlCol="0" anchor="ctr">
-              <a:spAutoFit/>
-            </a:bodyPr>
-            <a:lstStyle/>
-            <a:p>
-              <a:pPr algn="ctr"/>
-              <a:r>
-                <a:rPr lang="en-US" sz="1600" b="1" dirty="0"/>
-                <a:t>.</a:t>
-              </a:r>
-            </a:p>
-            <a:p>
-              <a:pPr algn="ctr"/>
-              <a:r>
-                <a:rPr lang="en-US" sz="1600" b="1" dirty="0"/>
-                <a:t>.</a:t>
-              </a:r>
-            </a:p>
-            <a:p>
-              <a:pPr algn="ctr"/>
-              <a:r>
-                <a:rPr lang="en-US" sz="1600" b="1" dirty="0"/>
-                <a:t>.</a:t>
               </a:r>
             </a:p>
           </p:txBody>
@@ -6177,6 +6041,114 @@
                   <a:cs typeface="Times New Roman" panose="02020603050405020304" pitchFamily="18" charset="0"/>
                 </a:rPr>
                 <a:t>n</a:t>
+              </a:r>
+            </a:p>
+          </p:txBody>
+        </p:sp>
+        <p:sp>
+          <p:nvSpPr>
+            <p:cNvPr id="19" name="TextBox 18">
+              <a:extLst>
+                <a:ext uri="{FF2B5EF4-FFF2-40B4-BE49-F238E27FC236}">
+                  <a16:creationId xmlns:a16="http://schemas.microsoft.com/office/drawing/2014/main" id="{0812D904-D793-AD4C-A07C-2F61FFDC77C8}"/>
+                </a:ext>
+              </a:extLst>
+            </p:cNvPr>
+            <p:cNvSpPr txBox="1"/>
+            <p:nvPr/>
+          </p:nvSpPr>
+          <p:spPr>
+            <a:xfrm rot="5400000">
+              <a:off x="3579130" y="2422275"/>
+              <a:ext cx="1324303" cy="400110"/>
+            </a:xfrm>
+            <a:prstGeom prst="rect">
+              <a:avLst/>
+            </a:prstGeom>
+            <a:noFill/>
+          </p:spPr>
+          <p:txBody>
+            <a:bodyPr wrap="square" rtlCol="0" anchor="ctr">
+              <a:spAutoFit/>
+            </a:bodyPr>
+            <a:lstStyle/>
+            <a:p>
+              <a:pPr algn="ctr"/>
+              <a:r>
+                <a:rPr lang="en-US" sz="2000" b="1" dirty="0"/>
+                <a:t>.   .   .</a:t>
+              </a:r>
+            </a:p>
+          </p:txBody>
+        </p:sp>
+        <p:sp>
+          <p:nvSpPr>
+            <p:cNvPr id="20" name="TextBox 19">
+              <a:extLst>
+                <a:ext uri="{FF2B5EF4-FFF2-40B4-BE49-F238E27FC236}">
+                  <a16:creationId xmlns:a16="http://schemas.microsoft.com/office/drawing/2014/main" id="{6AD08D2A-F993-5448-8078-28719501DFE1}"/>
+                </a:ext>
+              </a:extLst>
+            </p:cNvPr>
+            <p:cNvSpPr txBox="1"/>
+            <p:nvPr/>
+          </p:nvSpPr>
+          <p:spPr>
+            <a:xfrm rot="5400000">
+              <a:off x="7704440" y="2419439"/>
+              <a:ext cx="1324303" cy="400110"/>
+            </a:xfrm>
+            <a:prstGeom prst="rect">
+              <a:avLst/>
+            </a:prstGeom>
+            <a:noFill/>
+          </p:spPr>
+          <p:txBody>
+            <a:bodyPr wrap="square" rtlCol="0" anchor="ctr">
+              <a:spAutoFit/>
+            </a:bodyPr>
+            <a:lstStyle/>
+            <a:p>
+              <a:pPr algn="ctr"/>
+              <a:r>
+                <a:rPr lang="en-US" sz="2000" b="1" dirty="0"/>
+                <a:t>.   .   .</a:t>
+              </a:r>
+            </a:p>
+          </p:txBody>
+        </p:sp>
+        <p:sp>
+          <p:nvSpPr>
+            <p:cNvPr id="21" name="TextBox 20">
+              <a:extLst>
+                <a:ext uri="{FF2B5EF4-FFF2-40B4-BE49-F238E27FC236}">
+                  <a16:creationId xmlns:a16="http://schemas.microsoft.com/office/drawing/2014/main" id="{8F386E69-BEC5-CC40-9072-1F226C2C35FB}"/>
+                </a:ext>
+              </a:extLst>
+            </p:cNvPr>
+            <p:cNvSpPr txBox="1"/>
+            <p:nvPr/>
+          </p:nvSpPr>
+          <p:spPr>
+            <a:xfrm>
+              <a:off x="5517928" y="3315657"/>
+              <a:ext cx="1324303" cy="400110"/>
+            </a:xfrm>
+            <a:prstGeom prst="rect">
+              <a:avLst/>
+            </a:prstGeom>
+            <a:noFill/>
+          </p:spPr>
+          <p:txBody>
+            <a:bodyPr wrap="square" rtlCol="0" anchor="ctr">
+              <a:spAutoFit/>
+            </a:bodyPr>
+            <a:lstStyle/>
+            <a:p>
+              <a:pPr algn="ctr"/>
+              <a:r>
+                <a:rPr lang="en-US" sz="2000" b="1" dirty="0"/>
+                <a:t>.   .   .</a:t>
               </a:r>
             </a:p>
           </p:txBody>
